--- a/tests/pptx/phl_with_gg.pptx
+++ b/tests/pptx/phl_with_gg.pptx
@@ -2216,9 +2216,13 @@
       </p:grpSpPr>
       <p:pic xmlns:a="http://schemas.openxmlformats.org/drawingml/2006/main" xmlns:r="http://schemas.openxmlformats.org/officeDocument/2006/relationships" xmlns:p="http://schemas.openxmlformats.org/presentationml/2006/main">
         <p:nvPicPr>
-          <p:cNvPr id="2" name=""/>
-          <p:cNvPicPr/>
-          <p:nvPr/>
+          <p:cNvPr id="2" name="" descr=""/>
+          <p:cNvPicPr>
+            <a:picLocks noGrp="1"/>
+          </p:cNvPicPr>
+          <p:nvPr>
+            <p:ph/>
+          </p:nvPr>
         </p:nvPicPr>
         <p:blipFill>
           <a:blip cstate="print" r:embed="rId2"/>
@@ -2238,9 +2242,13 @@
       </p:pic>
       <p:pic xmlns:a="http://schemas.openxmlformats.org/drawingml/2006/main" xmlns:r="http://schemas.openxmlformats.org/officeDocument/2006/relationships" xmlns:p="http://schemas.openxmlformats.org/presentationml/2006/main">
         <p:nvPicPr>
-          <p:cNvPr id="3" name=""/>
-          <p:cNvPicPr/>
-          <p:nvPr/>
+          <p:cNvPr id="3" name="" descr=""/>
+          <p:cNvPicPr>
+            <a:picLocks noGrp="1"/>
+          </p:cNvPicPr>
+          <p:nvPr>
+            <p:ph/>
+          </p:nvPr>
         </p:nvPicPr>
         <p:blipFill>
           <a:blip cstate="print" r:embed="rId3"/>
@@ -2260,9 +2268,13 @@
       </p:pic>
       <p:pic xmlns:a="http://schemas.openxmlformats.org/drawingml/2006/main" xmlns:r="http://schemas.openxmlformats.org/officeDocument/2006/relationships" xmlns:p="http://schemas.openxmlformats.org/presentationml/2006/main">
         <p:nvPicPr>
-          <p:cNvPr id="4" name=""/>
-          <p:cNvPicPr/>
-          <p:nvPr/>
+          <p:cNvPr id="4" name="" descr=""/>
+          <p:cNvPicPr>
+            <a:picLocks noGrp="1"/>
+          </p:cNvPicPr>
+          <p:nvPr>
+            <p:ph/>
+          </p:nvPr>
         </p:nvPicPr>
         <p:blipFill>
           <a:blip cstate="print" r:embed="rId4"/>

--- a/tests/pptx/phl_with_gg.pptx
+++ b/tests/pptx/phl_with_gg.pptx
@@ -4,7 +4,7 @@
   <p:sldMasterIdLst>
     <p:sldMasterId id="2147483648" r:id="rId1"/>
   </p:sldMasterIdLst>
-  <p:sldIdLst xmlns:a="http://schemas.openxmlformats.org/drawingml/2006/main" xmlns:r="http://schemas.openxmlformats.org/officeDocument/2006/relationships" xmlns:p="http://schemas.openxmlformats.org/presentationml/2006/main">
+  <p:sldIdLst>
     <p:sldId id="256" r:id="rId8"/>
   </p:sldIdLst>
   <p:sldSz cx="9144000" cy="6858000" type="screen4x3"/>
@@ -2214,7 +2214,7 @@
           <a:chExt cx="0" cy="0"/>
         </a:xfrm>
       </p:grpSpPr>
-      <p:pic xmlns:a="http://schemas.openxmlformats.org/drawingml/2006/main" xmlns:r="http://schemas.openxmlformats.org/officeDocument/2006/relationships" xmlns:p="http://schemas.openxmlformats.org/presentationml/2006/main">
+      <p:pic>
         <p:nvPicPr>
           <p:cNvPr id="2" name="" descr=""/>
           <p:cNvPicPr>
@@ -2225,7 +2225,7 @@
           </p:nvPr>
         </p:nvPicPr>
         <p:blipFill>
-          <a:blip cstate="print" r:embed="rId2"/>
+          <a:blip r:embed="rId2"/>
           <a:stretch>
             <a:fillRect/>
           </a:stretch>
@@ -2240,7 +2240,7 @@
           </a:prstGeom>
         </p:spPr>
       </p:pic>
-      <p:pic xmlns:a="http://schemas.openxmlformats.org/drawingml/2006/main" xmlns:r="http://schemas.openxmlformats.org/officeDocument/2006/relationships" xmlns:p="http://schemas.openxmlformats.org/presentationml/2006/main">
+      <p:pic>
         <p:nvPicPr>
           <p:cNvPr id="3" name="" descr=""/>
           <p:cNvPicPr>
@@ -2251,7 +2251,7 @@
           </p:nvPr>
         </p:nvPicPr>
         <p:blipFill>
-          <a:blip cstate="print" r:embed="rId3"/>
+          <a:blip r:embed="rId3"/>
           <a:stretch>
             <a:fillRect/>
           </a:stretch>
@@ -2266,7 +2266,7 @@
           </a:prstGeom>
         </p:spPr>
       </p:pic>
-      <p:pic xmlns:a="http://schemas.openxmlformats.org/drawingml/2006/main" xmlns:r="http://schemas.openxmlformats.org/officeDocument/2006/relationships" xmlns:p="http://schemas.openxmlformats.org/presentationml/2006/main">
+      <p:pic>
         <p:nvPicPr>
           <p:cNvPr id="4" name="" descr=""/>
           <p:cNvPicPr>
@@ -2277,7 +2277,7 @@
           </p:nvPr>
         </p:nvPicPr>
         <p:blipFill>
-          <a:blip cstate="print" r:embed="rId4"/>
+          <a:blip r:embed="rId4"/>
           <a:stretch>
             <a:fillRect/>
           </a:stretch>
